--- a/documentation/Nyasha Chizampeni Poster Slide v2.0.pptx
+++ b/documentation/Nyasha Chizampeni Poster Slide v2.0.pptx
@@ -243,7 +243,7 @@
           <a:p>
             <a:fld id="{65D5BB1A-7506-4F5F-B80A-F4D6ECBA95A0}" type="datetimeFigureOut">
               <a:rPr lang="en-ZW" smtClean="0"/>
-              <a:t>10/6/2021</a:t>
+              <a:t>11/6/2021</a:t>
             </a:fld>
             <a:endParaRPr lang="en-ZW"/>
           </a:p>
@@ -413,7 +413,7 @@
           <a:p>
             <a:fld id="{65D5BB1A-7506-4F5F-B80A-F4D6ECBA95A0}" type="datetimeFigureOut">
               <a:rPr lang="en-ZW" smtClean="0"/>
-              <a:t>10/6/2021</a:t>
+              <a:t>11/6/2021</a:t>
             </a:fld>
             <a:endParaRPr lang="en-ZW"/>
           </a:p>
@@ -593,7 +593,7 @@
           <a:p>
             <a:fld id="{65D5BB1A-7506-4F5F-B80A-F4D6ECBA95A0}" type="datetimeFigureOut">
               <a:rPr lang="en-ZW" smtClean="0"/>
-              <a:t>10/6/2021</a:t>
+              <a:t>11/6/2021</a:t>
             </a:fld>
             <a:endParaRPr lang="en-ZW"/>
           </a:p>
@@ -763,7 +763,7 @@
           <a:p>
             <a:fld id="{65D5BB1A-7506-4F5F-B80A-F4D6ECBA95A0}" type="datetimeFigureOut">
               <a:rPr lang="en-ZW" smtClean="0"/>
-              <a:t>10/6/2021</a:t>
+              <a:t>11/6/2021</a:t>
             </a:fld>
             <a:endParaRPr lang="en-ZW"/>
           </a:p>
@@ -1009,7 +1009,7 @@
           <a:p>
             <a:fld id="{65D5BB1A-7506-4F5F-B80A-F4D6ECBA95A0}" type="datetimeFigureOut">
               <a:rPr lang="en-ZW" smtClean="0"/>
-              <a:t>10/6/2021</a:t>
+              <a:t>11/6/2021</a:t>
             </a:fld>
             <a:endParaRPr lang="en-ZW"/>
           </a:p>
@@ -1241,7 +1241,7 @@
           <a:p>
             <a:fld id="{65D5BB1A-7506-4F5F-B80A-F4D6ECBA95A0}" type="datetimeFigureOut">
               <a:rPr lang="en-ZW" smtClean="0"/>
-              <a:t>10/6/2021</a:t>
+              <a:t>11/6/2021</a:t>
             </a:fld>
             <a:endParaRPr lang="en-ZW"/>
           </a:p>
@@ -1608,7 +1608,7 @@
           <a:p>
             <a:fld id="{65D5BB1A-7506-4F5F-B80A-F4D6ECBA95A0}" type="datetimeFigureOut">
               <a:rPr lang="en-ZW" smtClean="0"/>
-              <a:t>10/6/2021</a:t>
+              <a:t>11/6/2021</a:t>
             </a:fld>
             <a:endParaRPr lang="en-ZW"/>
           </a:p>
@@ -1726,7 +1726,7 @@
           <a:p>
             <a:fld id="{65D5BB1A-7506-4F5F-B80A-F4D6ECBA95A0}" type="datetimeFigureOut">
               <a:rPr lang="en-ZW" smtClean="0"/>
-              <a:t>10/6/2021</a:t>
+              <a:t>11/6/2021</a:t>
             </a:fld>
             <a:endParaRPr lang="en-ZW"/>
           </a:p>
@@ -1821,7 +1821,7 @@
           <a:p>
             <a:fld id="{65D5BB1A-7506-4F5F-B80A-F4D6ECBA95A0}" type="datetimeFigureOut">
               <a:rPr lang="en-ZW" smtClean="0"/>
-              <a:t>10/6/2021</a:t>
+              <a:t>11/6/2021</a:t>
             </a:fld>
             <a:endParaRPr lang="en-ZW"/>
           </a:p>
@@ -2098,7 +2098,7 @@
           <a:p>
             <a:fld id="{65D5BB1A-7506-4F5F-B80A-F4D6ECBA95A0}" type="datetimeFigureOut">
               <a:rPr lang="en-ZW" smtClean="0"/>
-              <a:t>10/6/2021</a:t>
+              <a:t>11/6/2021</a:t>
             </a:fld>
             <a:endParaRPr lang="en-ZW"/>
           </a:p>
@@ -2355,7 +2355,7 @@
           <a:p>
             <a:fld id="{65D5BB1A-7506-4F5F-B80A-F4D6ECBA95A0}" type="datetimeFigureOut">
               <a:rPr lang="en-ZW" smtClean="0"/>
-              <a:t>10/6/2021</a:t>
+              <a:t>11/6/2021</a:t>
             </a:fld>
             <a:endParaRPr lang="en-ZW"/>
           </a:p>
@@ -2568,7 +2568,7 @@
           <a:p>
             <a:fld id="{65D5BB1A-7506-4F5F-B80A-F4D6ECBA95A0}" type="datetimeFigureOut">
               <a:rPr lang="en-ZW" smtClean="0"/>
-              <a:t>10/6/2021</a:t>
+              <a:t>11/6/2021</a:t>
             </a:fld>
             <a:endParaRPr lang="en-ZW"/>
           </a:p>
@@ -3066,9 +3066,7 @@
             <a:r>
               <a:rPr lang="en-ZW" sz="1470" b="1" dirty="0">
                 <a:solidFill>
-                  <a:schemeClr val="accent1">
-                    <a:lumMod val="75000"/>
-                  </a:schemeClr>
+                  <a:schemeClr val="accent2"/>
                 </a:solidFill>
                 <a:latin typeface="Angsana New" panose="020B0502040204020203" pitchFamily="18" charset="-34"/>
                 <a:cs typeface="Angsana New" panose="020B0502040204020203" pitchFamily="18" charset="-34"/>
@@ -3130,7 +3128,7 @@
         </p:nvSpPr>
         <p:spPr>
           <a:xfrm>
-            <a:off x="6215776" y="1321096"/>
+            <a:off x="6215776" y="1430824"/>
             <a:ext cx="428267" cy="310125"/>
           </a:xfrm>
           <a:prstGeom prst="ellipse">
@@ -3191,9 +3189,7 @@
             <a:r>
               <a:rPr lang="en-ZW" sz="1470" b="1" dirty="0">
                 <a:solidFill>
-                  <a:schemeClr val="accent1">
-                    <a:lumMod val="75000"/>
-                  </a:schemeClr>
+                  <a:schemeClr val="accent2"/>
                 </a:solidFill>
                 <a:latin typeface="Angsana New" panose="020B0502040204020203" pitchFamily="18" charset="-34"/>
                 <a:cs typeface="Angsana New" panose="020B0502040204020203" pitchFamily="18" charset="-34"/>
@@ -3211,7 +3207,7 @@
         </p:nvSpPr>
         <p:spPr>
           <a:xfrm>
-            <a:off x="9407177" y="1357452"/>
+            <a:off x="9379745" y="1439748"/>
             <a:ext cx="428267" cy="310125"/>
           </a:xfrm>
           <a:prstGeom prst="ellipse">
@@ -3272,9 +3268,7 @@
             <a:r>
               <a:rPr lang="en-ZW" sz="1470" b="1" dirty="0">
                 <a:solidFill>
-                  <a:schemeClr val="accent1">
-                    <a:lumMod val="75000"/>
-                  </a:schemeClr>
+                  <a:schemeClr val="accent2"/>
                 </a:solidFill>
                 <a:latin typeface="Angsana New" panose="020B0502040204020203" pitchFamily="18" charset="-34"/>
                 <a:cs typeface="Angsana New" panose="020B0502040204020203" pitchFamily="18" charset="-34"/>
@@ -3353,9 +3347,7 @@
             <a:r>
               <a:rPr lang="en-ZW" sz="1470" b="1" dirty="0">
                 <a:solidFill>
-                  <a:schemeClr val="accent1">
-                    <a:lumMod val="75000"/>
-                  </a:schemeClr>
+                  <a:schemeClr val="accent2"/>
                 </a:solidFill>
                 <a:latin typeface="Angsana New" panose="020B0502040204020203" pitchFamily="18" charset="-34"/>
                 <a:cs typeface="Angsana New" panose="020B0502040204020203" pitchFamily="18" charset="-34"/>
@@ -3676,17 +3668,17 @@
           </a:prstGeom>
         </p:spPr>
         <p:style>
-          <a:lnRef idx="0">
-            <a:schemeClr val="accent1"/>
+          <a:lnRef idx="2">
+            <a:schemeClr val="dk1"/>
           </a:lnRef>
-          <a:fillRef idx="3">
-            <a:schemeClr val="accent1"/>
+          <a:fillRef idx="1">
+            <a:schemeClr val="lt1"/>
           </a:fillRef>
-          <a:effectRef idx="3">
-            <a:schemeClr val="accent1"/>
+          <a:effectRef idx="0">
+            <a:schemeClr val="dk1"/>
           </a:effectRef>
           <a:fontRef idx="minor">
-            <a:schemeClr val="lt1"/>
+            <a:schemeClr val="dk1"/>
           </a:fontRef>
         </p:style>
         <p:txBody>
@@ -3717,17 +3709,17 @@
           </a:prstGeom>
         </p:spPr>
         <p:style>
-          <a:lnRef idx="0">
-            <a:schemeClr val="accent1"/>
+          <a:lnRef idx="2">
+            <a:schemeClr val="dk1"/>
           </a:lnRef>
-          <a:fillRef idx="3">
-            <a:schemeClr val="accent1"/>
+          <a:fillRef idx="1">
+            <a:schemeClr val="lt1"/>
           </a:fillRef>
-          <a:effectRef idx="3">
-            <a:schemeClr val="accent1"/>
+          <a:effectRef idx="0">
+            <a:schemeClr val="dk1"/>
           </a:effectRef>
           <a:fontRef idx="minor">
-            <a:schemeClr val="lt1"/>
+            <a:schemeClr val="dk1"/>
           </a:fontRef>
         </p:style>
         <p:txBody>
@@ -3758,17 +3750,17 @@
           </a:prstGeom>
         </p:spPr>
         <p:style>
-          <a:lnRef idx="0">
-            <a:schemeClr val="accent1"/>
+          <a:lnRef idx="2">
+            <a:schemeClr val="dk1"/>
           </a:lnRef>
-          <a:fillRef idx="3">
-            <a:schemeClr val="accent1"/>
+          <a:fillRef idx="1">
+            <a:schemeClr val="lt1"/>
           </a:fillRef>
-          <a:effectRef idx="3">
-            <a:schemeClr val="accent1"/>
+          <a:effectRef idx="0">
+            <a:schemeClr val="dk1"/>
           </a:effectRef>
           <a:fontRef idx="minor">
-            <a:schemeClr val="lt1"/>
+            <a:schemeClr val="dk1"/>
           </a:fontRef>
         </p:style>
         <p:txBody>
@@ -3866,17 +3858,17 @@
           </a:prstGeom>
         </p:spPr>
         <p:style>
-          <a:lnRef idx="0">
-            <a:schemeClr val="accent1"/>
+          <a:lnRef idx="2">
+            <a:schemeClr val="dk1"/>
           </a:lnRef>
-          <a:fillRef idx="3">
-            <a:schemeClr val="accent1"/>
+          <a:fillRef idx="1">
+            <a:schemeClr val="lt1"/>
           </a:fillRef>
-          <a:effectRef idx="3">
-            <a:schemeClr val="accent1"/>
+          <a:effectRef idx="0">
+            <a:schemeClr val="dk1"/>
           </a:effectRef>
           <a:fontRef idx="minor">
-            <a:schemeClr val="lt1"/>
+            <a:schemeClr val="dk1"/>
           </a:fontRef>
         </p:style>
         <p:txBody>
@@ -3913,17 +3905,17 @@
           </a:prstGeom>
         </p:spPr>
         <p:style>
-          <a:lnRef idx="0">
-            <a:schemeClr val="accent1"/>
+          <a:lnRef idx="2">
+            <a:schemeClr val="dk1"/>
           </a:lnRef>
-          <a:fillRef idx="3">
-            <a:schemeClr val="accent1"/>
+          <a:fillRef idx="1">
+            <a:schemeClr val="lt1"/>
           </a:fillRef>
-          <a:effectRef idx="3">
-            <a:schemeClr val="accent1"/>
+          <a:effectRef idx="0">
+            <a:schemeClr val="dk1"/>
           </a:effectRef>
           <a:fontRef idx="minor">
-            <a:schemeClr val="lt1"/>
+            <a:schemeClr val="dk1"/>
           </a:fontRef>
         </p:style>
         <p:txBody>
@@ -3984,8 +3976,8 @@
         </p:nvSpPr>
         <p:spPr>
           <a:xfrm>
-            <a:off x="9997388" y="5848081"/>
-            <a:ext cx="3165338" cy="261931"/>
+            <a:off x="10288400" y="5838083"/>
+            <a:ext cx="2228304" cy="261931"/>
           </a:xfrm>
           <a:prstGeom prst="rect">
             <a:avLst/>
@@ -4003,7 +3995,7 @@
                 <a:latin typeface="Angsana New" panose="020B0502040204020203" pitchFamily="18" charset="-34"/>
                 <a:cs typeface="Angsana New" panose="020B0502040204020203" pitchFamily="18" charset="-34"/>
               </a:rPr>
-              <a:t>Web dashboard and online reports</a:t>
+              <a:t>dashboard</a:t>
             </a:r>
           </a:p>
         </p:txBody>
@@ -4036,6 +4028,9 @@
             </a:pPr>
             <a:r>
               <a:rPr lang="en-ZW" sz="1400" dirty="0">
+                <a:solidFill>
+                  <a:schemeClr val="accent2"/>
+                </a:solidFill>
                 <a:latin typeface="Angsana New" panose="020B0502040204020203" pitchFamily="18" charset="-34"/>
                 <a:cs typeface="Angsana New" panose="020B0502040204020203" pitchFamily="18" charset="-34"/>
               </a:rPr>
@@ -4049,6 +4044,9 @@
             </a:pPr>
             <a:r>
               <a:rPr lang="en-ZW" sz="1400" dirty="0">
+                <a:solidFill>
+                  <a:schemeClr val="accent2"/>
+                </a:solidFill>
                 <a:latin typeface="Angsana New" panose="020B0502040204020203" pitchFamily="18" charset="-34"/>
                 <a:cs typeface="Angsana New" panose="020B0502040204020203" pitchFamily="18" charset="-34"/>
               </a:rPr>
@@ -4062,6 +4060,9 @@
             </a:pPr>
             <a:r>
               <a:rPr lang="en-ZW" sz="1400" dirty="0">
+                <a:solidFill>
+                  <a:schemeClr val="accent2"/>
+                </a:solidFill>
                 <a:latin typeface="Angsana New" panose="020B0502040204020203" pitchFamily="18" charset="-34"/>
                 <a:cs typeface="Angsana New" panose="020B0502040204020203" pitchFamily="18" charset="-34"/>
               </a:rPr>
@@ -4075,6 +4076,9 @@
             </a:pPr>
             <a:r>
               <a:rPr lang="en-ZW" sz="1400" dirty="0">
+                <a:solidFill>
+                  <a:schemeClr val="accent2"/>
+                </a:solidFill>
                 <a:latin typeface="Angsana New" panose="020B0502040204020203" pitchFamily="18" charset="-34"/>
                 <a:cs typeface="Angsana New" panose="020B0502040204020203" pitchFamily="18" charset="-34"/>
               </a:rPr>
@@ -4088,6 +4092,9 @@
             </a:pPr>
             <a:r>
               <a:rPr lang="en-ZW" sz="1400" dirty="0">
+                <a:solidFill>
+                  <a:schemeClr val="accent2"/>
+                </a:solidFill>
                 <a:latin typeface="Angsana New" panose="020B0502040204020203" pitchFamily="18" charset="-34"/>
                 <a:cs typeface="Angsana New" panose="020B0502040204020203" pitchFamily="18" charset="-34"/>
               </a:rPr>
@@ -4104,7 +4111,7 @@
         </p:nvSpPr>
         <p:spPr>
           <a:xfrm>
-            <a:off x="8703441" y="6399301"/>
+            <a:off x="8770573" y="6415955"/>
             <a:ext cx="3956545" cy="769441"/>
           </a:xfrm>
           <a:prstGeom prst="rect">
@@ -4121,6 +4128,11 @@
             <a:pPr algn="r"/>
             <a:r>
               <a:rPr lang="en-ZW" sz="1100" i="1" dirty="0">
+                <a:solidFill>
+                  <a:schemeClr val="accent1">
+                    <a:lumMod val="75000"/>
+                  </a:schemeClr>
+                </a:solidFill>
                 <a:latin typeface="Angsana New" panose="020B0502040204020203" pitchFamily="18" charset="-34"/>
                 <a:cs typeface="Angsana New" panose="020B0502040204020203" pitchFamily="18" charset="-34"/>
               </a:rPr>
@@ -4131,6 +4143,11 @@
             <a:pPr algn="r"/>
             <a:r>
               <a:rPr lang="en-ZW" sz="1100" i="1" dirty="0">
+                <a:solidFill>
+                  <a:schemeClr val="accent1">
+                    <a:lumMod val="75000"/>
+                  </a:schemeClr>
+                </a:solidFill>
                 <a:latin typeface="Angsana New" panose="020B0502040204020203" pitchFamily="18" charset="-34"/>
                 <a:cs typeface="Angsana New" panose="020B0502040204020203" pitchFamily="18" charset="-34"/>
               </a:rPr>
@@ -4141,6 +4158,11 @@
             <a:pPr algn="r"/>
             <a:r>
               <a:rPr lang="en-ZW" sz="1100" i="1" dirty="0">
+                <a:solidFill>
+                  <a:schemeClr val="accent1">
+                    <a:lumMod val="75000"/>
+                  </a:schemeClr>
+                </a:solidFill>
                 <a:latin typeface="Angsana New" panose="020B0502040204020203" pitchFamily="18" charset="-34"/>
                 <a:cs typeface="Angsana New" panose="020B0502040204020203" pitchFamily="18" charset="-34"/>
               </a:rPr>
@@ -4570,17 +4592,17 @@
           </a:prstGeom>
         </p:spPr>
         <p:style>
-          <a:lnRef idx="0">
-            <a:schemeClr val="accent1"/>
+          <a:lnRef idx="2">
+            <a:schemeClr val="dk1"/>
           </a:lnRef>
-          <a:fillRef idx="3">
-            <a:schemeClr val="accent1"/>
+          <a:fillRef idx="1">
+            <a:schemeClr val="lt1"/>
           </a:fillRef>
-          <a:effectRef idx="3">
-            <a:schemeClr val="accent1"/>
+          <a:effectRef idx="0">
+            <a:schemeClr val="dk1"/>
           </a:effectRef>
           <a:fontRef idx="minor">
-            <a:schemeClr val="lt1"/>
+            <a:schemeClr val="dk1"/>
           </a:fontRef>
         </p:style>
         <p:txBody>
@@ -4619,17 +4641,17 @@
           </a:prstGeom>
         </p:spPr>
         <p:style>
-          <a:lnRef idx="0">
-            <a:schemeClr val="accent1"/>
+          <a:lnRef idx="2">
+            <a:schemeClr val="dk1"/>
           </a:lnRef>
-          <a:fillRef idx="3">
-            <a:schemeClr val="accent1"/>
+          <a:fillRef idx="1">
+            <a:schemeClr val="lt1"/>
           </a:fillRef>
-          <a:effectRef idx="3">
-            <a:schemeClr val="accent1"/>
+          <a:effectRef idx="0">
+            <a:schemeClr val="dk1"/>
           </a:effectRef>
           <a:fontRef idx="minor">
-            <a:schemeClr val="lt1"/>
+            <a:schemeClr val="dk1"/>
           </a:fontRef>
         </p:style>
         <p:txBody>
@@ -4668,17 +4690,17 @@
           </a:prstGeom>
         </p:spPr>
         <p:style>
-          <a:lnRef idx="0">
-            <a:schemeClr val="accent1"/>
+          <a:lnRef idx="2">
+            <a:schemeClr val="dk1"/>
           </a:lnRef>
-          <a:fillRef idx="3">
-            <a:schemeClr val="accent1"/>
+          <a:fillRef idx="1">
+            <a:schemeClr val="lt1"/>
           </a:fillRef>
-          <a:effectRef idx="3">
-            <a:schemeClr val="accent1"/>
+          <a:effectRef idx="0">
+            <a:schemeClr val="dk1"/>
           </a:effectRef>
           <a:fontRef idx="minor">
-            <a:schemeClr val="lt1"/>
+            <a:schemeClr val="dk1"/>
           </a:fontRef>
         </p:style>
         <p:txBody>
